--- a/docs/h248 stream.pptx
+++ b/docs/h248 stream.pptx
@@ -285,6 +285,35 @@
     </p:ext>
   </p:extLst>
 </p:presentation>
+</file>
+
+<file path=ppt/changesInfos/changesInfo1.xml><?xml version="1.0" encoding="utf-8"?>
+<pc:chgInfo xmlns:a="http://schemas.openxmlformats.org/drawingml/2006/main" xmlns:r="http://schemas.openxmlformats.org/officeDocument/2006/relationships" xmlns:ac="http://schemas.microsoft.com/office/drawing/2013/main/command" xmlns:pc="http://schemas.microsoft.com/office/powerpoint/2013/main/command">
+  <pc:docChgLst>
+    <pc:chgData name="Jinqing Yan" userId="b38728bc-07b0-4042-9de7-2af5f63a681d" providerId="ADAL" clId="{ADE4D57D-EC99-4B22-8680-2C302FF55802}"/>
+    <pc:docChg chg="modSld">
+      <pc:chgData name="Jinqing Yan" userId="b38728bc-07b0-4042-9de7-2af5f63a681d" providerId="ADAL" clId="{ADE4D57D-EC99-4B22-8680-2C302FF55802}" dt="2019-12-18T02:01:39.741" v="1" actId="20577"/>
+      <pc:docMkLst>
+        <pc:docMk/>
+      </pc:docMkLst>
+      <pc:sldChg chg="modSp">
+        <pc:chgData name="Jinqing Yan" userId="b38728bc-07b0-4042-9de7-2af5f63a681d" providerId="ADAL" clId="{ADE4D57D-EC99-4B22-8680-2C302FF55802}" dt="2019-12-18T02:01:39.741" v="1" actId="20577"/>
+        <pc:sldMkLst>
+          <pc:docMk/>
+          <pc:sldMk cId="2854981257" sldId="263"/>
+        </pc:sldMkLst>
+        <pc:spChg chg="mod">
+          <ac:chgData name="Jinqing Yan" userId="b38728bc-07b0-4042-9de7-2af5f63a681d" providerId="ADAL" clId="{ADE4D57D-EC99-4B22-8680-2C302FF55802}" dt="2019-12-18T02:01:39.741" v="1" actId="20577"/>
+          <ac:spMkLst>
+            <pc:docMk/>
+            <pc:sldMk cId="2854981257" sldId="263"/>
+            <ac:spMk id="5" creationId="{00000000-0000-0000-0000-000000000000}"/>
+          </ac:spMkLst>
+        </pc:spChg>
+      </pc:sldChg>
+    </pc:docChg>
+  </pc:docChgLst>
+</pc:chgInfo>
 </file>
 
 <file path=ppt/handoutMasters/handoutMaster1.xml><?xml version="1.0" encoding="utf-8"?>
@@ -9679,6 +9708,11 @@
             </a:r>
           </a:p>
           <a:p>
+            <a:endParaRPr lang="en-US" sz="900" dirty="0">
+              <a:latin typeface="+mn-lt"/>
+            </a:endParaRPr>
+          </a:p>
+          <a:p>
             <a:r>
               <a:rPr lang="en-US" sz="900" dirty="0" err="1">
                 <a:latin typeface="+mn-lt"/>
@@ -9702,25 +9736,25 @@
           </a:p>
           <a:p>
             <a:r>
-              <a:rPr lang="en-US" sz="900" dirty="0" err="1">
+              <a:rPr lang="en-US" sz="900" b="1" dirty="0" err="1">
                 <a:latin typeface="+mn-lt"/>
               </a:rPr>
               <a:t>streamMode</a:t>
             </a:r>
             <a:r>
-              <a:rPr lang="en-US" sz="900" dirty="0">
+              <a:rPr lang="en-US" sz="900" b="1" dirty="0">
                 <a:latin typeface="+mn-lt"/>
               </a:rPr>
               <a:t> </a:t>
             </a:r>
             <a:r>
-              <a:rPr lang="en-US" sz="900" dirty="0" err="1">
+              <a:rPr lang="en-US" sz="900" b="1" dirty="0" err="1">
                 <a:latin typeface="+mn-lt"/>
               </a:rPr>
               <a:t>StreamMode</a:t>
             </a:r>
             <a:r>
-              <a:rPr lang="en-US" sz="900" dirty="0">
+              <a:rPr lang="en-US" sz="900" b="1" dirty="0">
                 <a:latin typeface="+mn-lt"/>
               </a:rPr>
               <a:t> OPTIONAL,</a:t>
